--- a/content/grade7/cycle04/week3/G7_C4_W3_Assessment_Slides_Final.pptx
+++ b/content/grade7/cycle04/week3/G7_C4_W3_Assessment_Slides_Final.pptx
@@ -3427,8 +3427,8 @@
         </p:nvSpPr>
         <p:spPr>
           <a:xfrm>
-            <a:off x="320040" y="594360"/>
-            <a:ext cx="8503920" cy="274320"/>
+            <a:off x="320040" y="576072"/>
+            <a:ext cx="8503920" cy="365760"/>
           </a:xfrm>
           <a:prstGeom prst="rect">
             <a:avLst/>
@@ -6448,8 +6448,8 @@
         </p:nvSpPr>
         <p:spPr>
           <a:xfrm>
-            <a:off x="320040" y="594360"/>
-            <a:ext cx="8503920" cy="274320"/>
+            <a:off x="320040" y="576072"/>
+            <a:ext cx="8503920" cy="365760"/>
           </a:xfrm>
           <a:prstGeom prst="rect">
             <a:avLst/>
@@ -7048,8 +7048,8 @@
         </p:nvSpPr>
         <p:spPr>
           <a:xfrm>
-            <a:off x="320040" y="594360"/>
-            <a:ext cx="8503920" cy="274320"/>
+            <a:off x="320040" y="576072"/>
+            <a:ext cx="8503920" cy="365760"/>
           </a:xfrm>
           <a:prstGeom prst="rect">
             <a:avLst/>
@@ -7266,8 +7266,8 @@
         </p:nvSpPr>
         <p:spPr>
           <a:xfrm>
-            <a:off x="457200" y="4023360"/>
-            <a:ext cx="8229600" cy="777240"/>
+            <a:off x="457200" y="4005072"/>
+            <a:ext cx="8229600" cy="868680"/>
           </a:xfrm>
           <a:prstGeom prst="rect">
             <a:avLst/>
@@ -7700,8 +7700,8 @@
         </p:nvSpPr>
         <p:spPr>
           <a:xfrm>
-            <a:off x="457200" y="3154680"/>
-            <a:ext cx="8229600" cy="365760"/>
+            <a:off x="457200" y="3136392"/>
+            <a:ext cx="8229600" cy="457200"/>
           </a:xfrm>
           <a:prstGeom prst="rect">
             <a:avLst/>
